--- a/2021_study/classify/1.Java/ppt/9.String类、Arrays类、Math类.pptx
+++ b/2021_study/classify/1.Java/ppt/9.String类、Arrays类、Math类.pptx
@@ -28394,7 +28394,7 @@
         </p:nvSpPr>
         <p:spPr>
           <a:xfrm>
-            <a:off x="1743075" y="1838325"/>
+            <a:off x="2273300" y="1494790"/>
             <a:ext cx="8436610" cy="1407160"/>
           </a:xfrm>
           <a:prstGeom prst="rect">
@@ -29432,7 +29432,7 @@
         </p:nvSpPr>
         <p:spPr>
           <a:xfrm>
-            <a:off x="1743075" y="1838325"/>
+            <a:off x="2629535" y="2110740"/>
             <a:ext cx="8436610" cy="1101090"/>
           </a:xfrm>
           <a:prstGeom prst="rect">
@@ -33894,7 +33894,7 @@
         </p:nvSpPr>
         <p:spPr>
           <a:xfrm>
-            <a:off x="859155" y="4805045"/>
+            <a:off x="730250" y="4805045"/>
             <a:ext cx="4206875" cy="546735"/>
           </a:xfrm>
           <a:prstGeom prst="rect">
@@ -34825,7 +34825,7 @@
         </p:nvSpPr>
         <p:spPr>
           <a:xfrm>
-            <a:off x="4921885" y="3730625"/>
+            <a:off x="5267325" y="3730625"/>
             <a:ext cx="2348230" cy="546100"/>
           </a:xfrm>
           <a:prstGeom prst="rect">
